--- a/Handwriting Recognition.pptx
+++ b/Handwriting Recognition.pptx
@@ -17,8 +17,9 @@
     <p:sldId id="271" r:id="rId11"/>
     <p:sldId id="268" r:id="rId12"/>
     <p:sldId id="269" r:id="rId13"/>
-    <p:sldId id="266" r:id="rId14"/>
-    <p:sldId id="267" r:id="rId15"/>
+    <p:sldId id="272" r:id="rId14"/>
+    <p:sldId id="266" r:id="rId15"/>
+    <p:sldId id="267" r:id="rId16"/>
   </p:sldIdLst>
   <p:sldSz cx="12192000" cy="6858000"/>
   <p:notesSz cx="6858000" cy="9144000"/>
@@ -117,6 +118,11 @@
       </a:defRPr>
     </a:lvl9pPr>
   </p:defaultTextStyle>
+  <p:extLst>
+    <p:ext uri="{EFAFB233-063F-42B5-8137-9DF3F51BA10A}">
+      <p15:sldGuideLst xmlns:p15="http://schemas.microsoft.com/office/powerpoint/2012/main"/>
+    </p:ext>
+  </p:extLst>
 </p:presentation>
 </file>
 
@@ -267,7 +273,7 @@
           <a:p>
             <a:fld id="{FA366A40-0E88-4C95-9E31-D7A9A1C11861}" type="datetimeFigureOut">
               <a:rPr lang="zh-CN" altLang="en-US" smtClean="0"/>
-              <a:t>2024/12/4</a:t>
+              <a:t>2024/12/5</a:t>
             </a:fld>
             <a:endParaRPr lang="zh-CN" altLang="en-US"/>
           </a:p>
@@ -465,7 +471,7 @@
           <a:p>
             <a:fld id="{FA366A40-0E88-4C95-9E31-D7A9A1C11861}" type="datetimeFigureOut">
               <a:rPr lang="zh-CN" altLang="en-US" smtClean="0"/>
-              <a:t>2024/12/4</a:t>
+              <a:t>2024/12/5</a:t>
             </a:fld>
             <a:endParaRPr lang="zh-CN" altLang="en-US"/>
           </a:p>
@@ -673,7 +679,7 @@
           <a:p>
             <a:fld id="{FA366A40-0E88-4C95-9E31-D7A9A1C11861}" type="datetimeFigureOut">
               <a:rPr lang="zh-CN" altLang="en-US" smtClean="0"/>
-              <a:t>2024/12/4</a:t>
+              <a:t>2024/12/5</a:t>
             </a:fld>
             <a:endParaRPr lang="zh-CN" altLang="en-US"/>
           </a:p>
@@ -871,7 +877,7 @@
           <a:p>
             <a:fld id="{FA366A40-0E88-4C95-9E31-D7A9A1C11861}" type="datetimeFigureOut">
               <a:rPr lang="zh-CN" altLang="en-US" smtClean="0"/>
-              <a:t>2024/12/4</a:t>
+              <a:t>2024/12/5</a:t>
             </a:fld>
             <a:endParaRPr lang="zh-CN" altLang="en-US"/>
           </a:p>
@@ -1146,7 +1152,7 @@
           <a:p>
             <a:fld id="{FA366A40-0E88-4C95-9E31-D7A9A1C11861}" type="datetimeFigureOut">
               <a:rPr lang="zh-CN" altLang="en-US" smtClean="0"/>
-              <a:t>2024/12/4</a:t>
+              <a:t>2024/12/5</a:t>
             </a:fld>
             <a:endParaRPr lang="zh-CN" altLang="en-US"/>
           </a:p>
@@ -1411,7 +1417,7 @@
           <a:p>
             <a:fld id="{FA366A40-0E88-4C95-9E31-D7A9A1C11861}" type="datetimeFigureOut">
               <a:rPr lang="zh-CN" altLang="en-US" smtClean="0"/>
-              <a:t>2024/12/4</a:t>
+              <a:t>2024/12/5</a:t>
             </a:fld>
             <a:endParaRPr lang="zh-CN" altLang="en-US"/>
           </a:p>
@@ -1823,7 +1829,7 @@
           <a:p>
             <a:fld id="{FA366A40-0E88-4C95-9E31-D7A9A1C11861}" type="datetimeFigureOut">
               <a:rPr lang="zh-CN" altLang="en-US" smtClean="0"/>
-              <a:t>2024/12/4</a:t>
+              <a:t>2024/12/5</a:t>
             </a:fld>
             <a:endParaRPr lang="zh-CN" altLang="en-US"/>
           </a:p>
@@ -1964,7 +1970,7 @@
           <a:p>
             <a:fld id="{FA366A40-0E88-4C95-9E31-D7A9A1C11861}" type="datetimeFigureOut">
               <a:rPr lang="zh-CN" altLang="en-US" smtClean="0"/>
-              <a:t>2024/12/4</a:t>
+              <a:t>2024/12/5</a:t>
             </a:fld>
             <a:endParaRPr lang="zh-CN" altLang="en-US"/>
           </a:p>
@@ -2077,7 +2083,7 @@
           <a:p>
             <a:fld id="{FA366A40-0E88-4C95-9E31-D7A9A1C11861}" type="datetimeFigureOut">
               <a:rPr lang="zh-CN" altLang="en-US" smtClean="0"/>
-              <a:t>2024/12/4</a:t>
+              <a:t>2024/12/5</a:t>
             </a:fld>
             <a:endParaRPr lang="zh-CN" altLang="en-US"/>
           </a:p>
@@ -2388,7 +2394,7 @@
           <a:p>
             <a:fld id="{FA366A40-0E88-4C95-9E31-D7A9A1C11861}" type="datetimeFigureOut">
               <a:rPr lang="zh-CN" altLang="en-US" smtClean="0"/>
-              <a:t>2024/12/4</a:t>
+              <a:t>2024/12/5</a:t>
             </a:fld>
             <a:endParaRPr lang="zh-CN" altLang="en-US"/>
           </a:p>
@@ -2676,7 +2682,7 @@
           <a:p>
             <a:fld id="{FA366A40-0E88-4C95-9E31-D7A9A1C11861}" type="datetimeFigureOut">
               <a:rPr lang="zh-CN" altLang="en-US" smtClean="0"/>
-              <a:t>2024/12/4</a:t>
+              <a:t>2024/12/5</a:t>
             </a:fld>
             <a:endParaRPr lang="zh-CN" altLang="en-US"/>
           </a:p>
@@ -2917,7 +2923,7 @@
           <a:p>
             <a:fld id="{FA366A40-0E88-4C95-9E31-D7A9A1C11861}" type="datetimeFigureOut">
               <a:rPr lang="zh-CN" altLang="en-US" smtClean="0"/>
-              <a:t>2024/12/4</a:t>
+              <a:t>2024/12/5</a:t>
             </a:fld>
             <a:endParaRPr lang="zh-CN" altLang="en-US"/>
           </a:p>
@@ -3592,7 +3598,7 @@
           <a:p>
             <a:r>
               <a:rPr lang="en-US" altLang="zh-CN" dirty="0"/>
-              <a:t>Model Deployment: with acceleration   (not completed)</a:t>
+              <a:t>Model Deployment: with acceleration  </a:t>
             </a:r>
             <a:endParaRPr lang="zh-CN" altLang="en-US" dirty="0"/>
           </a:p>
@@ -3686,7 +3692,7 @@
           <a:p>
             <a:r>
               <a:rPr lang="en-US" altLang="zh-CN" dirty="0"/>
-              <a:t>Model Deployment: with acceleration          (not completed)</a:t>
+              <a:t>Model Deployment: with acceleration          </a:t>
             </a:r>
             <a:endParaRPr lang="zh-CN" altLang="en-US" dirty="0"/>
           </a:p>
@@ -3785,6 +3791,101 @@
   <p:cSld>
     <p:spTree>
       <p:nvGrpSpPr>
+        <p:cNvPr id="1" name="">
+          <a:extLst>
+            <a:ext uri="{FF2B5EF4-FFF2-40B4-BE49-F238E27FC236}">
+              <a16:creationId xmlns:a16="http://schemas.microsoft.com/office/drawing/2014/main" id="{F9EA253C-F148-844C-1542-6E11032CE4B8}"/>
+            </a:ext>
+          </a:extLst>
+        </p:cNvPr>
+        <p:cNvGrpSpPr/>
+        <p:nvPr/>
+      </p:nvGrpSpPr>
+      <p:grpSpPr>
+        <a:xfrm>
+          <a:off x="0" y="0"/>
+          <a:ext cx="0" cy="0"/>
+          <a:chOff x="0" y="0"/>
+          <a:chExt cx="0" cy="0"/>
+        </a:xfrm>
+      </p:grpSpPr>
+      <p:sp>
+        <p:nvSpPr>
+          <p:cNvPr id="2" name="标题 1">
+            <a:extLst>
+              <a:ext uri="{FF2B5EF4-FFF2-40B4-BE49-F238E27FC236}">
+                <a16:creationId xmlns:a16="http://schemas.microsoft.com/office/drawing/2014/main" id="{F020D820-167C-C8BF-31DD-F2201EF9C491}"/>
+              </a:ext>
+            </a:extLst>
+          </p:cNvPr>
+          <p:cNvSpPr>
+            <a:spLocks noGrp="1"/>
+          </p:cNvSpPr>
+          <p:nvPr>
+            <p:ph type="title"/>
+          </p:nvPr>
+        </p:nvSpPr>
+        <p:spPr/>
+        <p:txBody>
+          <a:bodyPr/>
+          <a:lstStyle/>
+          <a:p>
+            <a:r>
+              <a:rPr lang="en-US" altLang="zh-CN" dirty="0"/>
+              <a:t>Model Deployment: with acceleration          </a:t>
+            </a:r>
+            <a:endParaRPr lang="zh-CN" altLang="en-US" dirty="0"/>
+          </a:p>
+        </p:txBody>
+      </p:sp>
+      <p:pic>
+        <p:nvPicPr>
+          <p:cNvPr id="5" name="图片 4">
+            <a:extLst>
+              <a:ext uri="{FF2B5EF4-FFF2-40B4-BE49-F238E27FC236}">
+                <a16:creationId xmlns:a16="http://schemas.microsoft.com/office/drawing/2014/main" id="{FB46F446-D68F-2E68-B4C9-B1F4C27C075B}"/>
+              </a:ext>
+            </a:extLst>
+          </p:cNvPr>
+          <p:cNvPicPr>
+            <a:picLocks noChangeAspect="1"/>
+          </p:cNvPicPr>
+          <p:nvPr/>
+        </p:nvPicPr>
+        <p:blipFill>
+          <a:blip r:embed="rId2"/>
+          <a:stretch>
+            <a:fillRect/>
+          </a:stretch>
+        </p:blipFill>
+        <p:spPr>
+          <a:xfrm>
+            <a:off x="1426414" y="1690688"/>
+            <a:ext cx="7447292" cy="4370349"/>
+          </a:xfrm>
+          <a:prstGeom prst="rect">
+            <a:avLst/>
+          </a:prstGeom>
+        </p:spPr>
+      </p:pic>
+    </p:spTree>
+    <p:extLst>
+      <p:ext uri="{BB962C8B-B14F-4D97-AF65-F5344CB8AC3E}">
+        <p14:creationId xmlns:p14="http://schemas.microsoft.com/office/powerpoint/2010/main" val="4246883065"/>
+      </p:ext>
+    </p:extLst>
+  </p:cSld>
+  <p:clrMapOvr>
+    <a:masterClrMapping/>
+  </p:clrMapOvr>
+</p:sld>
+</file>
+
+<file path=ppt/slides/slide14.xml><?xml version="1.0" encoding="utf-8"?>
+<p:sld xmlns:a="http://schemas.openxmlformats.org/drawingml/2006/main" xmlns:r="http://schemas.openxmlformats.org/officeDocument/2006/relationships" xmlns:p="http://schemas.openxmlformats.org/presentationml/2006/main">
+  <p:cSld>
+    <p:spTree>
+      <p:nvGrpSpPr>
         <p:cNvPr id="1" name=""/>
         <p:cNvGrpSpPr/>
         <p:nvPr/>
@@ -3850,25 +3951,25 @@
         </p:spPr>
         <p:txBody>
           <a:bodyPr>
-            <a:normAutofit lnSpcReduction="10000"/>
+            <a:normAutofit/>
           </a:bodyPr>
           <a:lstStyle/>
           <a:p>
             <a:r>
               <a:rPr lang="en-US" altLang="zh-CN" dirty="0"/>
-              <a:t>Quantized deep learning model has the potential to be deployed on edge devices</a:t>
+              <a:t>Quantized deep learning LeNet-5 model has the potential to be deployed on edge devices and finish handwriting recognition tasks with high efficiency and accuracy.</a:t>
             </a:r>
           </a:p>
           <a:p>
             <a:r>
               <a:rPr lang="en-US" altLang="zh-CN" dirty="0"/>
-              <a:t>Only relying on the processor of PYNQ, the performance  is limited.</a:t>
+              <a:t>Only relying on the processor of PYNQ, the performance is limited.</a:t>
             </a:r>
           </a:p>
           <a:p>
             <a:r>
               <a:rPr lang="en-US" altLang="zh-CN" dirty="0"/>
-              <a:t>(Expectation) The inference time decreases a lot with good designation of FPGA, even outperforming the performance running on Laptop’s CPU.</a:t>
+              <a:t>The inference time decreases a lot with good designation of FPGA.</a:t>
             </a:r>
             <a:endParaRPr lang="zh-CN" altLang="en-US" dirty="0"/>
           </a:p>
@@ -3887,7 +3988,7 @@
 </p:sld>
 </file>
 
-<file path=ppt/slides/slide14.xml><?xml version="1.0" encoding="utf-8"?>
+<file path=ppt/slides/slide15.xml><?xml version="1.0" encoding="utf-8"?>
 <p:sld xmlns:a="http://schemas.openxmlformats.org/drawingml/2006/main" xmlns:r="http://schemas.openxmlformats.org/officeDocument/2006/relationships" xmlns:p="http://schemas.openxmlformats.org/presentationml/2006/main">
   <p:cSld>
     <p:spTree>
